--- a/Diagrama_Navegação.pptx
+++ b/Diagrama_Navegação.pptx
@@ -104,6 +104,11 @@
       </a:defRPr>
     </a:lvl9pPr>
   </p:defaultTextStyle>
+  <p:extLst>
+    <p:ext uri="{EFAFB233-063F-42B5-8137-9DF3F51BA10A}">
+      <p15:sldGuideLst xmlns:p15="http://schemas.microsoft.com/office/powerpoint/2012/main"/>
+    </p:ext>
+  </p:extLst>
 </p:presentation>
 </file>
 
@@ -3429,7 +3434,7 @@
         </p:nvSpPr>
         <p:spPr>
           <a:xfrm>
-            <a:off x="4982816" y="3022772"/>
+            <a:off x="8030817" y="3022769"/>
             <a:ext cx="2226365" cy="812455"/>
           </a:xfrm>
           <a:prstGeom prst="roundRect">
@@ -3469,17 +3474,17 @@
             <a:pPr algn="ctr"/>
             <a:r>
               <a:rPr lang="pt-BR" dirty="0"/>
-              <a:t>Justificar ausência</a:t>
-            </a:r>
-          </a:p>
-        </p:txBody>
-      </p:sp>
-      <p:sp>
-        <p:nvSpPr>
-          <p:cNvPr id="6" name="Retângulo: Cantos Arredondados 5">
-            <a:extLst>
-              <a:ext uri="{FF2B5EF4-FFF2-40B4-BE49-F238E27FC236}">
-                <a16:creationId xmlns:a16="http://schemas.microsoft.com/office/drawing/2014/main" id="{80ED3240-6B3A-469C-A701-69345E871EF0}"/>
+              <a:t>Nova Solicitação</a:t>
+            </a:r>
+          </a:p>
+        </p:txBody>
+      </p:sp>
+      <p:sp>
+        <p:nvSpPr>
+          <p:cNvPr id="7" name="Retângulo: Cantos Arredondados 6">
+            <a:extLst>
+              <a:ext uri="{FF2B5EF4-FFF2-40B4-BE49-F238E27FC236}">
+                <a16:creationId xmlns:a16="http://schemas.microsoft.com/office/drawing/2014/main" id="{C2FE7592-6DF8-4259-AE07-1D4C3871F689}"/>
               </a:ext>
             </a:extLst>
           </p:cNvPr>
@@ -3488,7 +3493,7 @@
         </p:nvSpPr>
         <p:spPr>
           <a:xfrm>
-            <a:off x="8441635" y="3022771"/>
+            <a:off x="6400800" y="4537847"/>
             <a:ext cx="2226365" cy="812455"/>
           </a:xfrm>
           <a:prstGeom prst="roundRect">
@@ -3528,198 +3533,11 @@
             <a:pPr algn="ctr"/>
             <a:r>
               <a:rPr lang="pt-BR" dirty="0"/>
-              <a:t>Consultar espelho de ponto</a:t>
-            </a:r>
-          </a:p>
-        </p:txBody>
-      </p:sp>
-      <p:sp>
-        <p:nvSpPr>
-          <p:cNvPr id="7" name="Retângulo: Cantos Arredondados 6">
-            <a:extLst>
-              <a:ext uri="{FF2B5EF4-FFF2-40B4-BE49-F238E27FC236}">
-                <a16:creationId xmlns:a16="http://schemas.microsoft.com/office/drawing/2014/main" id="{C2FE7592-6DF8-4259-AE07-1D4C3871F689}"/>
-              </a:ext>
-            </a:extLst>
-          </p:cNvPr>
-          <p:cNvSpPr/>
-          <p:nvPr/>
-        </p:nvSpPr>
-        <p:spPr>
-          <a:xfrm>
-            <a:off x="4982816" y="4619659"/>
-            <a:ext cx="2226365" cy="812455"/>
-          </a:xfrm>
-          <a:prstGeom prst="roundRect">
-            <a:avLst/>
-          </a:prstGeom>
-          <a:solidFill>
-            <a:schemeClr val="accent1">
-              <a:lumMod val="50000"/>
-            </a:schemeClr>
-          </a:solidFill>
-          <a:ln>
-            <a:solidFill>
-              <a:schemeClr val="tx1"/>
-            </a:solidFill>
-          </a:ln>
-        </p:spPr>
-        <p:style>
-          <a:lnRef idx="2">
-            <a:schemeClr val="accent1">
-              <a:shade val="50000"/>
-            </a:schemeClr>
-          </a:lnRef>
-          <a:fillRef idx="1">
-            <a:schemeClr val="accent1"/>
-          </a:fillRef>
-          <a:effectRef idx="0">
-            <a:schemeClr val="accent1"/>
-          </a:effectRef>
-          <a:fontRef idx="minor">
-            <a:schemeClr val="lt1"/>
-          </a:fontRef>
-        </p:style>
-        <p:txBody>
-          <a:bodyPr rtlCol="0" anchor="ctr"/>
-          <a:lstStyle/>
-          <a:p>
-            <a:pPr algn="ctr"/>
-            <a:r>
-              <a:rPr lang="pt-BR" dirty="0"/>
               <a:t>Anexo Documento</a:t>
             </a:r>
           </a:p>
         </p:txBody>
       </p:sp>
-      <p:cxnSp>
-        <p:nvCxnSpPr>
-          <p:cNvPr id="9" name="Conector de Seta Reta 8">
-            <a:extLst>
-              <a:ext uri="{FF2B5EF4-FFF2-40B4-BE49-F238E27FC236}">
-                <a16:creationId xmlns:a16="http://schemas.microsoft.com/office/drawing/2014/main" id="{C1C12325-F37C-41C5-B6F8-0E235A2E9F23}"/>
-              </a:ext>
-            </a:extLst>
-          </p:cNvPr>
-          <p:cNvCxnSpPr>
-            <a:stCxn id="4" idx="2"/>
-            <a:endCxn id="5" idx="0"/>
-          </p:cNvCxnSpPr>
-          <p:nvPr/>
-        </p:nvCxnSpPr>
-        <p:spPr>
-          <a:xfrm flipH="1">
-            <a:off x="6095999" y="2044906"/>
-            <a:ext cx="1" cy="977866"/>
-          </a:xfrm>
-          <a:prstGeom prst="straightConnector1">
-            <a:avLst/>
-          </a:prstGeom>
-          <a:ln>
-            <a:tailEnd type="triangle"/>
-          </a:ln>
-        </p:spPr>
-        <p:style>
-          <a:lnRef idx="1">
-            <a:schemeClr val="dk1"/>
-          </a:lnRef>
-          <a:fillRef idx="0">
-            <a:schemeClr val="dk1"/>
-          </a:fillRef>
-          <a:effectRef idx="0">
-            <a:schemeClr val="dk1"/>
-          </a:effectRef>
-          <a:fontRef idx="minor">
-            <a:schemeClr val="tx1"/>
-          </a:fontRef>
-        </p:style>
-      </p:cxnSp>
-      <p:cxnSp>
-        <p:nvCxnSpPr>
-          <p:cNvPr id="10" name="Conector de Seta Reta 9">
-            <a:extLst>
-              <a:ext uri="{FF2B5EF4-FFF2-40B4-BE49-F238E27FC236}">
-                <a16:creationId xmlns:a16="http://schemas.microsoft.com/office/drawing/2014/main" id="{C3D85A43-1833-4C35-90EC-3E57F55EC171}"/>
-              </a:ext>
-            </a:extLst>
-          </p:cNvPr>
-          <p:cNvCxnSpPr>
-            <a:cxnSpLocks/>
-            <a:stCxn id="5" idx="3"/>
-            <a:endCxn id="6" idx="1"/>
-          </p:cNvCxnSpPr>
-          <p:nvPr/>
-        </p:nvCxnSpPr>
-        <p:spPr>
-          <a:xfrm flipV="1">
-            <a:off x="7209181" y="3428999"/>
-            <a:ext cx="1232454" cy="1"/>
-          </a:xfrm>
-          <a:prstGeom prst="straightConnector1">
-            <a:avLst/>
-          </a:prstGeom>
-          <a:ln>
-            <a:tailEnd type="triangle"/>
-          </a:ln>
-        </p:spPr>
-        <p:style>
-          <a:lnRef idx="1">
-            <a:schemeClr val="dk1"/>
-          </a:lnRef>
-          <a:fillRef idx="0">
-            <a:schemeClr val="dk1"/>
-          </a:fillRef>
-          <a:effectRef idx="0">
-            <a:schemeClr val="dk1"/>
-          </a:effectRef>
-          <a:fontRef idx="minor">
-            <a:schemeClr val="tx1"/>
-          </a:fontRef>
-        </p:style>
-      </p:cxnSp>
-      <p:cxnSp>
-        <p:nvCxnSpPr>
-          <p:cNvPr id="13" name="Conector de Seta Reta 12">
-            <a:extLst>
-              <a:ext uri="{FF2B5EF4-FFF2-40B4-BE49-F238E27FC236}">
-                <a16:creationId xmlns:a16="http://schemas.microsoft.com/office/drawing/2014/main" id="{FA72376D-E450-45E7-931B-8F9A71482405}"/>
-              </a:ext>
-            </a:extLst>
-          </p:cNvPr>
-          <p:cNvCxnSpPr>
-            <a:cxnSpLocks/>
-            <a:stCxn id="5" idx="2"/>
-            <a:endCxn id="7" idx="0"/>
-          </p:cNvCxnSpPr>
-          <p:nvPr/>
-        </p:nvCxnSpPr>
-        <p:spPr>
-          <a:xfrm>
-            <a:off x="6095999" y="3835227"/>
-            <a:ext cx="0" cy="784432"/>
-          </a:xfrm>
-          <a:prstGeom prst="straightConnector1">
-            <a:avLst/>
-          </a:prstGeom>
-          <a:ln>
-            <a:tailEnd type="triangle"/>
-          </a:ln>
-        </p:spPr>
-        <p:style>
-          <a:lnRef idx="1">
-            <a:schemeClr val="dk1"/>
-          </a:lnRef>
-          <a:fillRef idx="0">
-            <a:schemeClr val="dk1"/>
-          </a:fillRef>
-          <a:effectRef idx="0">
-            <a:schemeClr val="dk1"/>
-          </a:effectRef>
-          <a:fontRef idx="minor">
-            <a:schemeClr val="tx1"/>
-          </a:fontRef>
-        </p:style>
-      </p:cxnSp>
       <p:sp>
         <p:nvSpPr>
           <p:cNvPr id="16" name="Retângulo: Cantos Arredondados 15">
@@ -3779,48 +3597,6 @@
           </a:p>
         </p:txBody>
       </p:sp>
-      <p:cxnSp>
-        <p:nvCxnSpPr>
-          <p:cNvPr id="18" name="Conector: Angulado 17">
-            <a:extLst>
-              <a:ext uri="{FF2B5EF4-FFF2-40B4-BE49-F238E27FC236}">
-                <a16:creationId xmlns:a16="http://schemas.microsoft.com/office/drawing/2014/main" id="{CEF31B78-5EC5-4C75-AB91-DD341E2D5AC0}"/>
-              </a:ext>
-            </a:extLst>
-          </p:cNvPr>
-          <p:cNvCxnSpPr>
-            <a:stCxn id="7" idx="1"/>
-            <a:endCxn id="16" idx="3"/>
-          </p:cNvCxnSpPr>
-          <p:nvPr/>
-        </p:nvCxnSpPr>
-        <p:spPr>
-          <a:xfrm rot="10800000">
-            <a:off x="3750366" y="3428999"/>
-            <a:ext cx="1232451" cy="1596889"/>
-          </a:xfrm>
-          <a:prstGeom prst="bentConnector3">
-            <a:avLst/>
-          </a:prstGeom>
-          <a:ln>
-            <a:tailEnd type="triangle"/>
-          </a:ln>
-        </p:spPr>
-        <p:style>
-          <a:lnRef idx="1">
-            <a:schemeClr val="dk1"/>
-          </a:lnRef>
-          <a:fillRef idx="0">
-            <a:schemeClr val="dk1"/>
-          </a:fillRef>
-          <a:effectRef idx="0">
-            <a:schemeClr val="dk1"/>
-          </a:effectRef>
-          <a:fontRef idx="minor">
-            <a:schemeClr val="tx1"/>
-          </a:fontRef>
-        </p:style>
-      </p:cxnSp>
       <p:sp>
         <p:nvSpPr>
           <p:cNvPr id="19" name="Retângulo: Cantos Arredondados 18">
@@ -3925,23 +3701,23 @@
       </p:cxnSp>
       <p:cxnSp>
         <p:nvCxnSpPr>
-          <p:cNvPr id="25" name="Conector: Angulado 24">
-            <a:extLst>
-              <a:ext uri="{FF2B5EF4-FFF2-40B4-BE49-F238E27FC236}">
-                <a16:creationId xmlns:a16="http://schemas.microsoft.com/office/drawing/2014/main" id="{3B69F2C5-5A6D-461A-8D4F-4BFDE5CDA488}"/>
+          <p:cNvPr id="26" name="Conector: Angulado 25">
+            <a:extLst>
+              <a:ext uri="{FF2B5EF4-FFF2-40B4-BE49-F238E27FC236}">
+                <a16:creationId xmlns:a16="http://schemas.microsoft.com/office/drawing/2014/main" id="{54CFE9F1-4E9A-43EF-A6C1-0351EFD453B8}"/>
               </a:ext>
             </a:extLst>
           </p:cNvPr>
           <p:cNvCxnSpPr>
             <a:cxnSpLocks/>
-            <a:endCxn id="6" idx="0"/>
+            <a:endCxn id="16" idx="0"/>
           </p:cNvCxnSpPr>
           <p:nvPr/>
         </p:nvCxnSpPr>
         <p:spPr>
-          <a:xfrm>
-            <a:off x="6095998" y="2451132"/>
-            <a:ext cx="3458820" cy="571639"/>
+          <a:xfrm rot="10800000" flipV="1">
+            <a:off x="2637184" y="2528350"/>
+            <a:ext cx="3458815" cy="494419"/>
           </a:xfrm>
           <a:prstGeom prst="bentConnector2">
             <a:avLst/>
@@ -3967,23 +3743,209 @@
       </p:cxnSp>
       <p:cxnSp>
         <p:nvCxnSpPr>
-          <p:cNvPr id="26" name="Conector: Angulado 25">
-            <a:extLst>
-              <a:ext uri="{FF2B5EF4-FFF2-40B4-BE49-F238E27FC236}">
-                <a16:creationId xmlns:a16="http://schemas.microsoft.com/office/drawing/2014/main" id="{54CFE9F1-4E9A-43EF-A6C1-0351EFD453B8}"/>
+          <p:cNvPr id="12" name="Conector reto 11">
+            <a:extLst>
+              <a:ext uri="{FF2B5EF4-FFF2-40B4-BE49-F238E27FC236}">
+                <a16:creationId xmlns:a16="http://schemas.microsoft.com/office/drawing/2014/main" id="{170F3F80-C34A-498A-9F3A-230DF55BB746}"/>
+              </a:ext>
+            </a:extLst>
+          </p:cNvPr>
+          <p:cNvCxnSpPr>
+            <a:stCxn id="4" idx="2"/>
+          </p:cNvCxnSpPr>
+          <p:nvPr/>
+        </p:nvCxnSpPr>
+        <p:spPr>
+          <a:xfrm flipH="1">
+            <a:off x="6095998" y="2044906"/>
+            <a:ext cx="2" cy="406226"/>
+          </a:xfrm>
+          <a:prstGeom prst="line">
+            <a:avLst/>
+          </a:prstGeom>
+        </p:spPr>
+        <p:style>
+          <a:lnRef idx="1">
+            <a:schemeClr val="dk1"/>
+          </a:lnRef>
+          <a:fillRef idx="0">
+            <a:schemeClr val="dk1"/>
+          </a:fillRef>
+          <a:effectRef idx="0">
+            <a:schemeClr val="dk1"/>
+          </a:effectRef>
+          <a:fontRef idx="minor">
+            <a:schemeClr val="tx1"/>
+          </a:fontRef>
+        </p:style>
+      </p:cxnSp>
+      <p:cxnSp>
+        <p:nvCxnSpPr>
+          <p:cNvPr id="22" name="Conector: Angulado 21">
+            <a:extLst>
+              <a:ext uri="{FF2B5EF4-FFF2-40B4-BE49-F238E27FC236}">
+                <a16:creationId xmlns:a16="http://schemas.microsoft.com/office/drawing/2014/main" id="{5FF4E7F2-1E57-4D2E-A844-5A63D7A4D58F}"/>
               </a:ext>
             </a:extLst>
           </p:cNvPr>
           <p:cNvCxnSpPr>
             <a:cxnSpLocks/>
-            <a:endCxn id="16" idx="0"/>
+            <a:stCxn id="4" idx="2"/>
+            <a:endCxn id="5" idx="0"/>
+          </p:cNvCxnSpPr>
+          <p:nvPr/>
+        </p:nvCxnSpPr>
+        <p:spPr>
+          <a:xfrm rot="16200000" flipH="1">
+            <a:off x="7131069" y="1009837"/>
+            <a:ext cx="977863" cy="3048000"/>
+          </a:xfrm>
+          <a:prstGeom prst="bentConnector3">
+            <a:avLst>
+              <a:gd name="adj1" fmla="val 50000"/>
+            </a:avLst>
+          </a:prstGeom>
+          <a:ln>
+            <a:tailEnd type="triangle"/>
+          </a:ln>
+        </p:spPr>
+        <p:style>
+          <a:lnRef idx="1">
+            <a:schemeClr val="dk1"/>
+          </a:lnRef>
+          <a:fillRef idx="0">
+            <a:schemeClr val="dk1"/>
+          </a:fillRef>
+          <a:effectRef idx="0">
+            <a:schemeClr val="dk1"/>
+          </a:effectRef>
+          <a:fontRef idx="minor">
+            <a:schemeClr val="tx1"/>
+          </a:fontRef>
+        </p:style>
+      </p:cxnSp>
+      <p:sp>
+        <p:nvSpPr>
+          <p:cNvPr id="27" name="Retângulo: Cantos Arredondados 26">
+            <a:extLst>
+              <a:ext uri="{FF2B5EF4-FFF2-40B4-BE49-F238E27FC236}">
+                <a16:creationId xmlns:a16="http://schemas.microsoft.com/office/drawing/2014/main" id="{0617AC0B-317C-46B2-93EC-FC41819B6A83}"/>
+              </a:ext>
+            </a:extLst>
+          </p:cNvPr>
+          <p:cNvSpPr/>
+          <p:nvPr/>
+        </p:nvSpPr>
+        <p:spPr>
+          <a:xfrm>
+            <a:off x="9574697" y="4537847"/>
+            <a:ext cx="2226365" cy="812455"/>
+          </a:xfrm>
+          <a:prstGeom prst="roundRect">
+            <a:avLst/>
+          </a:prstGeom>
+          <a:solidFill>
+            <a:schemeClr val="accent1">
+              <a:lumMod val="50000"/>
+            </a:schemeClr>
+          </a:solidFill>
+          <a:ln>
+            <a:solidFill>
+              <a:schemeClr val="tx1"/>
+            </a:solidFill>
+          </a:ln>
+        </p:spPr>
+        <p:style>
+          <a:lnRef idx="2">
+            <a:schemeClr val="accent1">
+              <a:shade val="50000"/>
+            </a:schemeClr>
+          </a:lnRef>
+          <a:fillRef idx="1">
+            <a:schemeClr val="accent1"/>
+          </a:fillRef>
+          <a:effectRef idx="0">
+            <a:schemeClr val="accent1"/>
+          </a:effectRef>
+          <a:fontRef idx="minor">
+            <a:schemeClr val="lt1"/>
+          </a:fontRef>
+        </p:style>
+        <p:txBody>
+          <a:bodyPr rtlCol="0" anchor="ctr"/>
+          <a:lstStyle/>
+          <a:p>
+            <a:pPr algn="ctr"/>
+            <a:r>
+              <a:rPr lang="pt-BR" dirty="0"/>
+              <a:t>Cadastrar ausência</a:t>
+            </a:r>
+          </a:p>
+        </p:txBody>
+      </p:sp>
+      <p:cxnSp>
+        <p:nvCxnSpPr>
+          <p:cNvPr id="28" name="Conector: Angulado 27">
+            <a:extLst>
+              <a:ext uri="{FF2B5EF4-FFF2-40B4-BE49-F238E27FC236}">
+                <a16:creationId xmlns:a16="http://schemas.microsoft.com/office/drawing/2014/main" id="{43FDA1C5-9F2D-441B-AC12-6F7D1C075CAB}"/>
+              </a:ext>
+            </a:extLst>
+          </p:cNvPr>
+          <p:cNvCxnSpPr>
+            <a:cxnSpLocks/>
+            <a:stCxn id="5" idx="3"/>
+            <a:endCxn id="27" idx="0"/>
+          </p:cNvCxnSpPr>
+          <p:nvPr/>
+        </p:nvCxnSpPr>
+        <p:spPr>
+          <a:xfrm>
+            <a:off x="10257182" y="3428997"/>
+            <a:ext cx="430698" cy="1108850"/>
+          </a:xfrm>
+          <a:prstGeom prst="bentConnector2">
+            <a:avLst/>
+          </a:prstGeom>
+          <a:ln>
+            <a:tailEnd type="triangle"/>
+          </a:ln>
+        </p:spPr>
+        <p:style>
+          <a:lnRef idx="1">
+            <a:schemeClr val="dk1"/>
+          </a:lnRef>
+          <a:fillRef idx="0">
+            <a:schemeClr val="dk1"/>
+          </a:fillRef>
+          <a:effectRef idx="0">
+            <a:schemeClr val="dk1"/>
+          </a:effectRef>
+          <a:fontRef idx="minor">
+            <a:schemeClr val="tx1"/>
+          </a:fontRef>
+        </p:style>
+      </p:cxnSp>
+      <p:cxnSp>
+        <p:nvCxnSpPr>
+          <p:cNvPr id="31" name="Conector: Angulado 30">
+            <a:extLst>
+              <a:ext uri="{FF2B5EF4-FFF2-40B4-BE49-F238E27FC236}">
+                <a16:creationId xmlns:a16="http://schemas.microsoft.com/office/drawing/2014/main" id="{12C0CB3E-1412-493E-96B5-6432C93508B7}"/>
+              </a:ext>
+            </a:extLst>
+          </p:cNvPr>
+          <p:cNvCxnSpPr>
+            <a:cxnSpLocks/>
+            <a:stCxn id="5" idx="1"/>
+            <a:endCxn id="7" idx="0"/>
           </p:cNvCxnSpPr>
           <p:nvPr/>
         </p:nvCxnSpPr>
         <p:spPr>
           <a:xfrm rot="10800000" flipV="1">
-            <a:off x="2637184" y="2451132"/>
-            <a:ext cx="3458815" cy="571637"/>
+            <a:off x="7513983" y="3428997"/>
+            <a:ext cx="516834" cy="1108850"/>
           </a:xfrm>
           <a:prstGeom prst="bentConnector2">
             <a:avLst/>
